--- a/project/report/presentation/Presentation.pptx
+++ b/project/report/presentation/Presentation.pptx
@@ -12,11 +12,12 @@
     <p:sldId id="260" r:id="rId6"/>
     <p:sldId id="262" r:id="rId7"/>
     <p:sldId id="263" r:id="rId8"/>
-    <p:sldId id="264" r:id="rId9"/>
-    <p:sldId id="267" r:id="rId10"/>
-    <p:sldId id="266" r:id="rId11"/>
-    <p:sldId id="265" r:id="rId12"/>
-    <p:sldId id="261" r:id="rId13"/>
+    <p:sldId id="268" r:id="rId9"/>
+    <p:sldId id="264" r:id="rId10"/>
+    <p:sldId id="267" r:id="rId11"/>
+    <p:sldId id="266" r:id="rId12"/>
+    <p:sldId id="265" r:id="rId13"/>
+    <p:sldId id="261" r:id="rId14"/>
   </p:sldIdLst>
   <p:sldSz cx="9144000" cy="6858000" type="screen4x3"/>
   <p:notesSz cx="6858000" cy="9144000"/>
@@ -3853,6 +3854,114 @@
             <p:ph type="title"/>
           </p:nvPr>
         </p:nvSpPr>
+        <p:spPr/>
+        <p:txBody>
+          <a:bodyPr/>
+          <a:lstStyle/>
+          <a:p>
+            <a:r>
+              <a:rPr lang="en-US" dirty="0" smtClean="0"/>
+              <a:t>Integration</a:t>
+            </a:r>
+            <a:endParaRPr lang="en-US" dirty="0"/>
+          </a:p>
+        </p:txBody>
+      </p:sp>
+      <p:sp>
+        <p:nvSpPr>
+          <p:cNvPr id="3" name="Content Placeholder 2"/>
+          <p:cNvSpPr>
+            <a:spLocks noGrp="1"/>
+          </p:cNvSpPr>
+          <p:nvPr>
+            <p:ph idx="1"/>
+          </p:nvPr>
+        </p:nvSpPr>
+        <p:spPr/>
+        <p:txBody>
+          <a:bodyPr/>
+          <a:lstStyle/>
+          <a:p>
+            <a:r>
+              <a:rPr lang="en-US" dirty="0" smtClean="0"/>
+              <a:t>In-house </a:t>
+            </a:r>
+            <a:r>
+              <a:rPr lang="en-US" dirty="0" err="1" smtClean="0"/>
+              <a:t>RentIt</a:t>
+            </a:r>
+            <a:endParaRPr lang="en-US" dirty="0" smtClean="0"/>
+          </a:p>
+          <a:p>
+            <a:r>
+              <a:rPr lang="en-US" dirty="0" smtClean="0"/>
+              <a:t>Team 1 (</a:t>
+            </a:r>
+            <a:r>
+              <a:rPr lang="fi-FI" dirty="0" smtClean="0"/>
+              <a:t>B79586)</a:t>
+            </a:r>
+            <a:endParaRPr lang="en-US" dirty="0" smtClean="0"/>
+          </a:p>
+          <a:p>
+            <a:r>
+              <a:rPr lang="en-US" dirty="0" smtClean="0"/>
+              <a:t>Team 2 (</a:t>
+            </a:r>
+            <a:r>
+              <a:rPr lang="is-IS" dirty="0" smtClean="0"/>
+              <a:t>B79605)</a:t>
+            </a:r>
+          </a:p>
+        </p:txBody>
+      </p:sp>
+    </p:spTree>
+    <p:extLst>
+      <p:ext uri="{BB962C8B-B14F-4D97-AF65-F5344CB8AC3E}">
+        <p14:creationId xmlns:p14="http://schemas.microsoft.com/office/powerpoint/2010/main" val="764688203"/>
+      </p:ext>
+    </p:extLst>
+  </p:cSld>
+  <p:clrMapOvr>
+    <a:masterClrMapping/>
+  </p:clrMapOvr>
+  <p:timing>
+    <p:tnLst>
+      <p:par>
+        <p:cTn xmlns:p14="http://schemas.microsoft.com/office/powerpoint/2010/main" id="1" dur="indefinite" restart="never" nodeType="tmRoot"/>
+      </p:par>
+    </p:tnLst>
+  </p:timing>
+</p:sld>
+</file>
+
+<file path=ppt/slides/slide11.xml><?xml version="1.0" encoding="utf-8"?>
+<p:sld xmlns:a="http://schemas.openxmlformats.org/drawingml/2006/main" xmlns:r="http://schemas.openxmlformats.org/officeDocument/2006/relationships" xmlns:p="http://schemas.openxmlformats.org/presentationml/2006/main">
+  <p:cSld>
+    <p:spTree>
+      <p:nvGrpSpPr>
+        <p:cNvPr id="1" name=""/>
+        <p:cNvGrpSpPr/>
+        <p:nvPr/>
+      </p:nvGrpSpPr>
+      <p:grpSpPr>
+        <a:xfrm>
+          <a:off x="0" y="0"/>
+          <a:ext cx="0" cy="0"/>
+          <a:chOff x="0" y="0"/>
+          <a:chExt cx="0" cy="0"/>
+        </a:xfrm>
+      </p:grpSpPr>
+      <p:sp>
+        <p:nvSpPr>
+          <p:cNvPr id="2" name="Title 1"/>
+          <p:cNvSpPr>
+            <a:spLocks noGrp="1"/>
+          </p:cNvSpPr>
+          <p:nvPr>
+            <p:ph type="title"/>
+          </p:nvPr>
+        </p:nvSpPr>
         <p:spPr>
           <a:xfrm>
             <a:off x="549275" y="107576"/>
@@ -3920,7 +4029,7 @@
 </p:sld>
 </file>
 
-<file path=ppt/slides/slide11.xml><?xml version="1.0" encoding="utf-8"?>
+<file path=ppt/slides/slide12.xml><?xml version="1.0" encoding="utf-8"?>
 <p:sld xmlns:a="http://schemas.openxmlformats.org/drawingml/2006/main" xmlns:r="http://schemas.openxmlformats.org/officeDocument/2006/relationships" xmlns:p="http://schemas.openxmlformats.org/presentationml/2006/main">
   <p:cSld>
     <p:spTree>
@@ -3972,7 +4081,9 @@
         </p:nvSpPr>
         <p:spPr/>
         <p:txBody>
-          <a:bodyPr/>
+          <a:bodyPr>
+            <a:normAutofit lnSpcReduction="10000"/>
+          </a:bodyPr>
           <a:lstStyle/>
           <a:p>
             <a:r>
@@ -3983,7 +4094,17 @@
           <a:p>
             <a:r>
               <a:rPr lang="en-US" dirty="0" smtClean="0"/>
-              <a:t>Task division</a:t>
+              <a:t>Affordances - ?!</a:t>
+            </a:r>
+          </a:p>
+          <a:p>
+            <a:r>
+              <a:rPr lang="en-US" dirty="0" smtClean="0"/>
+              <a:t>Task </a:t>
+            </a:r>
+            <a:r>
+              <a:rPr lang="en-US" dirty="0" smtClean="0"/>
+              <a:t>division</a:t>
             </a:r>
           </a:p>
           <a:p>
@@ -4047,15 +4168,6 @@
               <a:rPr lang="en-US" dirty="0" smtClean="0"/>
               <a:t>?</a:t>
             </a:r>
-          </a:p>
-          <a:p>
-            <a:pPr marL="685800" lvl="2" indent="0">
-              <a:buNone/>
-            </a:pPr>
-            <a:endParaRPr lang="en-US" dirty="0" smtClean="0"/>
-          </a:p>
-          <a:p>
-            <a:pPr lvl="1"/>
             <a:endParaRPr lang="en-US" dirty="0" smtClean="0"/>
           </a:p>
           <a:p>
@@ -4086,7 +4198,7 @@
 </p:sld>
 </file>
 
-<file path=ppt/slides/slide12.xml><?xml version="1.0" encoding="utf-8"?>
+<file path=ppt/slides/slide13.xml><?xml version="1.0" encoding="utf-8"?>
 <p:sld xmlns:a="http://schemas.openxmlformats.org/drawingml/2006/main" xmlns:r="http://schemas.openxmlformats.org/officeDocument/2006/relationships" xmlns:p="http://schemas.openxmlformats.org/presentationml/2006/main">
   <p:cSld>
     <p:spTree>
@@ -4125,7 +4237,18 @@
           <a:p>
             <a:r>
               <a:rPr lang="en-US" dirty="0" smtClean="0"/>
-              <a:t>Thank you!</a:t>
+              <a:t>Thank you</a:t>
+            </a:r>
+            <a:r>
+              <a:rPr lang="en-US" dirty="0" smtClean="0"/>
+              <a:t>!</a:t>
+            </a:r>
+            <a:br>
+              <a:rPr lang="en-US" dirty="0" smtClean="0"/>
+            </a:br>
+            <a:r>
+              <a:rPr lang="en-US" dirty="0" smtClean="0"/>
+              <a:t>&amp; Demo</a:t>
             </a:r>
             <a:endParaRPr lang="en-US" dirty="0"/>
           </a:p>
@@ -4831,6 +4954,102 @@
         </p:nvSpPr>
         <p:spPr>
           <a:xfrm>
+            <a:off x="549275" y="107576"/>
+            <a:ext cx="8042276" cy="795912"/>
+          </a:xfrm>
+        </p:spPr>
+        <p:txBody>
+          <a:bodyPr/>
+          <a:lstStyle/>
+          <a:p>
+            <a:r>
+              <a:rPr lang="en-US" dirty="0" err="1" smtClean="0"/>
+              <a:t>RentIt</a:t>
+            </a:r>
+            <a:r>
+              <a:rPr lang="en-US" dirty="0" smtClean="0"/>
+              <a:t> Invoicing </a:t>
+            </a:r>
+            <a:r>
+              <a:rPr lang="en-US" dirty="0" err="1" smtClean="0"/>
+              <a:t>submodule</a:t>
+            </a:r>
+            <a:endParaRPr lang="en-US" dirty="0"/>
+          </a:p>
+        </p:txBody>
+      </p:sp>
+      <p:pic>
+        <p:nvPicPr>
+          <p:cNvPr id="4" name="Content Placeholder 3" descr="rentit_domain_model_invoicing_classes.jpg"/>
+          <p:cNvPicPr>
+            <a:picLocks noGrp="1" noChangeAspect="1"/>
+          </p:cNvPicPr>
+          <p:nvPr>
+            <p:ph idx="1"/>
+          </p:nvPr>
+        </p:nvPicPr>
+        <p:blipFill>
+          <a:blip r:embed="rId2">
+            <a:extLst>
+              <a:ext uri="{28A0092B-C50C-407E-A947-70E740481C1C}">
+                <a14:useLocalDpi xmlns:a14="http://schemas.microsoft.com/office/drawing/2010/main" val="0"/>
+              </a:ext>
+            </a:extLst>
+          </a:blip>
+          <a:srcRect l="-27377" r="-27377"/>
+          <a:stretch>
+            <a:fillRect/>
+          </a:stretch>
+        </p:blipFill>
+        <p:spPr>
+          <a:xfrm>
+            <a:off x="-432078" y="1077899"/>
+            <a:ext cx="10078175" cy="5442930"/>
+          </a:xfrm>
+        </p:spPr>
+      </p:pic>
+    </p:spTree>
+    <p:extLst>
+      <p:ext uri="{BB962C8B-B14F-4D97-AF65-F5344CB8AC3E}">
+        <p14:creationId xmlns:p14="http://schemas.microsoft.com/office/powerpoint/2010/main" val="1483654637"/>
+      </p:ext>
+    </p:extLst>
+  </p:cSld>
+  <p:clrMapOvr>
+    <a:masterClrMapping/>
+  </p:clrMapOvr>
+</p:sld>
+</file>
+
+<file path=ppt/slides/slide9.xml><?xml version="1.0" encoding="utf-8"?>
+<p:sld xmlns:a="http://schemas.openxmlformats.org/drawingml/2006/main" xmlns:r="http://schemas.openxmlformats.org/officeDocument/2006/relationships" xmlns:p="http://schemas.openxmlformats.org/presentationml/2006/main">
+  <p:cSld>
+    <p:spTree>
+      <p:nvGrpSpPr>
+        <p:cNvPr id="1" name=""/>
+        <p:cNvGrpSpPr/>
+        <p:nvPr/>
+      </p:nvGrpSpPr>
+      <p:grpSpPr>
+        <a:xfrm>
+          <a:off x="0" y="0"/>
+          <a:ext cx="0" cy="0"/>
+          <a:chOff x="0" y="0"/>
+          <a:chExt cx="0" cy="0"/>
+        </a:xfrm>
+      </p:grpSpPr>
+      <p:sp>
+        <p:nvSpPr>
+          <p:cNvPr id="2" name="Title 1"/>
+          <p:cNvSpPr>
+            <a:spLocks noGrp="1"/>
+          </p:cNvSpPr>
+          <p:nvPr>
+            <p:ph type="title"/>
+          </p:nvPr>
+        </p:nvSpPr>
+        <p:spPr>
+          <a:xfrm>
             <a:off x="219075" y="126252"/>
             <a:ext cx="6384925" cy="654424"/>
           </a:xfrm>
@@ -4885,103 +5104,6 @@
     <p:extLst>
       <p:ext uri="{BB962C8B-B14F-4D97-AF65-F5344CB8AC3E}">
         <p14:creationId xmlns:p14="http://schemas.microsoft.com/office/powerpoint/2010/main" val="1195018678"/>
-      </p:ext>
-    </p:extLst>
-  </p:cSld>
-  <p:clrMapOvr>
-    <a:masterClrMapping/>
-  </p:clrMapOvr>
-  <p:timing>
-    <p:tnLst>
-      <p:par>
-        <p:cTn xmlns:p14="http://schemas.microsoft.com/office/powerpoint/2010/main" id="1" dur="indefinite" restart="never" nodeType="tmRoot"/>
-      </p:par>
-    </p:tnLst>
-  </p:timing>
-</p:sld>
-</file>
-
-<file path=ppt/slides/slide9.xml><?xml version="1.0" encoding="utf-8"?>
-<p:sld xmlns:a="http://schemas.openxmlformats.org/drawingml/2006/main" xmlns:r="http://schemas.openxmlformats.org/officeDocument/2006/relationships" xmlns:p="http://schemas.openxmlformats.org/presentationml/2006/main">
-  <p:cSld>
-    <p:spTree>
-      <p:nvGrpSpPr>
-        <p:cNvPr id="1" name=""/>
-        <p:cNvGrpSpPr/>
-        <p:nvPr/>
-      </p:nvGrpSpPr>
-      <p:grpSpPr>
-        <a:xfrm>
-          <a:off x="0" y="0"/>
-          <a:ext cx="0" cy="0"/>
-          <a:chOff x="0" y="0"/>
-          <a:chExt cx="0" cy="0"/>
-        </a:xfrm>
-      </p:grpSpPr>
-      <p:sp>
-        <p:nvSpPr>
-          <p:cNvPr id="2" name="Title 1"/>
-          <p:cNvSpPr>
-            <a:spLocks noGrp="1"/>
-          </p:cNvSpPr>
-          <p:nvPr>
-            <p:ph type="title"/>
-          </p:nvPr>
-        </p:nvSpPr>
-        <p:spPr/>
-        <p:txBody>
-          <a:bodyPr/>
-          <a:lstStyle/>
-          <a:p>
-            <a:r>
-              <a:rPr lang="en-US" dirty="0" smtClean="0"/>
-              <a:t>Integration</a:t>
-            </a:r>
-            <a:endParaRPr lang="en-US" dirty="0"/>
-          </a:p>
-        </p:txBody>
-      </p:sp>
-      <p:sp>
-        <p:nvSpPr>
-          <p:cNvPr id="3" name="Content Placeholder 2"/>
-          <p:cNvSpPr>
-            <a:spLocks noGrp="1"/>
-          </p:cNvSpPr>
-          <p:nvPr>
-            <p:ph idx="1"/>
-          </p:nvPr>
-        </p:nvSpPr>
-        <p:spPr/>
-        <p:txBody>
-          <a:bodyPr/>
-          <a:lstStyle/>
-          <a:p>
-            <a:r>
-              <a:rPr lang="en-US" dirty="0" smtClean="0"/>
-              <a:t>In-house </a:t>
-            </a:r>
-            <a:r>
-              <a:rPr lang="en-US" dirty="0" err="1" smtClean="0"/>
-              <a:t>RentIt</a:t>
-            </a:r>
-            <a:endParaRPr lang="en-US" dirty="0" smtClean="0"/>
-          </a:p>
-          <a:p>
-            <a:r>
-              <a:rPr lang="en-US" dirty="0" smtClean="0"/>
-              <a:t>Team 2 (</a:t>
-            </a:r>
-            <a:r>
-              <a:rPr lang="is-IS" dirty="0" smtClean="0"/>
-              <a:t>B79605)</a:t>
-            </a:r>
-          </a:p>
-        </p:txBody>
-      </p:sp>
-    </p:spTree>
-    <p:extLst>
-      <p:ext uri="{BB962C8B-B14F-4D97-AF65-F5344CB8AC3E}">
-        <p14:creationId xmlns:p14="http://schemas.microsoft.com/office/powerpoint/2010/main" val="764688203"/>
       </p:ext>
     </p:extLst>
   </p:cSld>
